--- a/119/NMOP/draft-netana-nmop-yang-kafka-integration.pptx
+++ b/119/NMOP/draft-netana-nmop-yang-kafka-integration.pptx
@@ -129,6 +129,35 @@
 </p:presentation>
 </file>
 
+<file path=ppt/changesInfos/changesInfo1.xml><?xml version="1.0" encoding="utf-8"?>
+<pc:chgInfo xmlns:a="http://schemas.openxmlformats.org/drawingml/2006/main" xmlns:r="http://schemas.openxmlformats.org/officeDocument/2006/relationships" xmlns:ac="http://schemas.microsoft.com/office/drawing/2013/main/command" xmlns:pc="http://schemas.microsoft.com/office/powerpoint/2013/main/command">
+  <pc:docChgLst>
+    <pc:chgData name="Graf Thomas, INI-NET-VNC-HCS" userId="487bc3e3-9ce7-4cdd-b7b4-8899ea88d289" providerId="ADAL" clId="{278F4D00-A84F-403D-B695-8FF15EEE87AE}"/>
+    <pc:docChg chg="modSld">
+      <pc:chgData name="Graf Thomas, INI-NET-VNC-HCS" userId="487bc3e3-9ce7-4cdd-b7b4-8899ea88d289" providerId="ADAL" clId="{278F4D00-A84F-403D-B695-8FF15EEE87AE}" dt="2024-03-15T04:02:16.618" v="12" actId="113"/>
+      <pc:docMkLst>
+        <pc:docMk/>
+      </pc:docMkLst>
+      <pc:sldChg chg="modSp mod">
+        <pc:chgData name="Graf Thomas, INI-NET-VNC-HCS" userId="487bc3e3-9ce7-4cdd-b7b4-8899ea88d289" providerId="ADAL" clId="{278F4D00-A84F-403D-B695-8FF15EEE87AE}" dt="2024-03-15T04:02:16.618" v="12" actId="113"/>
+        <pc:sldMkLst>
+          <pc:docMk/>
+          <pc:sldMk cId="3471801430" sldId="2145706249"/>
+        </pc:sldMkLst>
+        <pc:spChg chg="mod">
+          <ac:chgData name="Graf Thomas, INI-NET-VNC-HCS" userId="487bc3e3-9ce7-4cdd-b7b4-8899ea88d289" providerId="ADAL" clId="{278F4D00-A84F-403D-B695-8FF15EEE87AE}" dt="2024-03-15T04:02:16.618" v="12" actId="113"/>
+          <ac:spMkLst>
+            <pc:docMk/>
+            <pc:sldMk cId="3471801430" sldId="2145706249"/>
+            <ac:spMk id="5" creationId="{0194B37B-813A-99FE-7B78-4D87D8C30D44}"/>
+          </ac:spMkLst>
+        </pc:spChg>
+      </pc:sldChg>
+    </pc:docChg>
+  </pc:docChgLst>
+</pc:chgInfo>
+</file>
+
 <file path=ppt/notesMasters/notesMaster1.xml><?xml version="1.0" encoding="utf-8"?>
 <p:notesMaster xmlns:a="http://schemas.openxmlformats.org/drawingml/2006/main" xmlns:r="http://schemas.openxmlformats.org/officeDocument/2006/relationships" xmlns:p="http://schemas.openxmlformats.org/presentationml/2006/main">
   <p:cSld>
@@ -211,7 +240,7 @@
           <a:p>
             <a:fld id="{E5E705E9-673F-4AC4-B29E-A7B26F3B8523}" type="datetimeFigureOut">
               <a:rPr lang="de-CH" smtClean="0"/>
-              <a:t>14.03.2024</a:t>
+              <a:t>15.03.2024</a:t>
             </a:fld>
             <a:endParaRPr lang="de-CH"/>
           </a:p>
@@ -717,7 +746,7 @@
           <a:p>
             <a:fld id="{9E9B238C-2335-4007-98C9-471C02CC43B6}" type="datetimeFigureOut">
               <a:rPr lang="de-CH" smtClean="0"/>
-              <a:t>14.03.2024</a:t>
+              <a:t>15.03.2024</a:t>
             </a:fld>
             <a:endParaRPr lang="de-CH"/>
           </a:p>
@@ -917,7 +946,7 @@
           <a:p>
             <a:fld id="{9E9B238C-2335-4007-98C9-471C02CC43B6}" type="datetimeFigureOut">
               <a:rPr lang="de-CH" smtClean="0"/>
-              <a:t>14.03.2024</a:t>
+              <a:t>15.03.2024</a:t>
             </a:fld>
             <a:endParaRPr lang="de-CH"/>
           </a:p>
@@ -1127,7 +1156,7 @@
           <a:p>
             <a:fld id="{9E9B238C-2335-4007-98C9-471C02CC43B6}" type="datetimeFigureOut">
               <a:rPr lang="de-CH" smtClean="0"/>
-              <a:t>14.03.2024</a:t>
+              <a:t>15.03.2024</a:t>
             </a:fld>
             <a:endParaRPr lang="de-CH"/>
           </a:p>
@@ -2569,7 +2598,7 @@
           <a:p>
             <a:fld id="{9E9B238C-2335-4007-98C9-471C02CC43B6}" type="datetimeFigureOut">
               <a:rPr lang="de-CH" smtClean="0"/>
-              <a:t>14.03.2024</a:t>
+              <a:t>15.03.2024</a:t>
             </a:fld>
             <a:endParaRPr lang="de-CH"/>
           </a:p>
@@ -2845,7 +2874,7 @@
           <a:p>
             <a:fld id="{9E9B238C-2335-4007-98C9-471C02CC43B6}" type="datetimeFigureOut">
               <a:rPr lang="de-CH" smtClean="0"/>
-              <a:t>14.03.2024</a:t>
+              <a:t>15.03.2024</a:t>
             </a:fld>
             <a:endParaRPr lang="de-CH"/>
           </a:p>
@@ -3113,7 +3142,7 @@
           <a:p>
             <a:fld id="{9E9B238C-2335-4007-98C9-471C02CC43B6}" type="datetimeFigureOut">
               <a:rPr lang="de-CH" smtClean="0"/>
-              <a:t>14.03.2024</a:t>
+              <a:t>15.03.2024</a:t>
             </a:fld>
             <a:endParaRPr lang="de-CH"/>
           </a:p>
@@ -3528,7 +3557,7 @@
           <a:p>
             <a:fld id="{9E9B238C-2335-4007-98C9-471C02CC43B6}" type="datetimeFigureOut">
               <a:rPr lang="de-CH" smtClean="0"/>
-              <a:t>14.03.2024</a:t>
+              <a:t>15.03.2024</a:t>
             </a:fld>
             <a:endParaRPr lang="de-CH"/>
           </a:p>
@@ -3670,7 +3699,7 @@
           <a:p>
             <a:fld id="{9E9B238C-2335-4007-98C9-471C02CC43B6}" type="datetimeFigureOut">
               <a:rPr lang="de-CH" smtClean="0"/>
-              <a:t>14.03.2024</a:t>
+              <a:t>15.03.2024</a:t>
             </a:fld>
             <a:endParaRPr lang="de-CH"/>
           </a:p>
@@ -3783,7 +3812,7 @@
           <a:p>
             <a:fld id="{9E9B238C-2335-4007-98C9-471C02CC43B6}" type="datetimeFigureOut">
               <a:rPr lang="de-CH" smtClean="0"/>
-              <a:t>14.03.2024</a:t>
+              <a:t>15.03.2024</a:t>
             </a:fld>
             <a:endParaRPr lang="de-CH"/>
           </a:p>
@@ -4096,7 +4125,7 @@
           <a:p>
             <a:fld id="{9E9B238C-2335-4007-98C9-471C02CC43B6}" type="datetimeFigureOut">
               <a:rPr lang="de-CH" smtClean="0"/>
-              <a:t>14.03.2024</a:t>
+              <a:t>15.03.2024</a:t>
             </a:fld>
             <a:endParaRPr lang="de-CH"/>
           </a:p>
@@ -4385,7 +4414,7 @@
           <a:p>
             <a:fld id="{9E9B238C-2335-4007-98C9-471C02CC43B6}" type="datetimeFigureOut">
               <a:rPr lang="de-CH" smtClean="0"/>
-              <a:t>14.03.2024</a:t>
+              <a:t>15.03.2024</a:t>
             </a:fld>
             <a:endParaRPr lang="de-CH"/>
           </a:p>
@@ -4628,7 +4657,7 @@
           <a:p>
             <a:fld id="{9E9B238C-2335-4007-98C9-471C02CC43B6}" type="datetimeFigureOut">
               <a:rPr lang="de-CH" smtClean="0"/>
-              <a:t>14.03.2024</a:t>
+              <a:t>15.03.2024</a:t>
             </a:fld>
             <a:endParaRPr lang="de-CH"/>
           </a:p>
@@ -20357,15 +20386,23 @@
             </a:r>
             <a:r>
               <a:rPr lang="en-US" sz="2000" dirty="0"/>
-              <a:t> addresses that </a:t>
-            </a:r>
-            <a:r>
-              <a:rPr lang="en-US" sz="2000" dirty="0" err="1"/>
+              <a:t> addresses </a:t>
+            </a:r>
+            <a:r>
+              <a:rPr lang="en-US" sz="2000" b="1" dirty="0"/>
+              <a:t>that </a:t>
+            </a:r>
+            <a:r>
+              <a:rPr lang="en-US" sz="2000" b="1" dirty="0" err="1"/>
               <a:t>anydata</a:t>
             </a:r>
             <a:r>
+              <a:rPr lang="en-US" sz="2000" b="1" dirty="0"/>
+              <a:t> modeled nodes can be validated </a:t>
+            </a:r>
+            <a:r>
               <a:rPr lang="en-US" sz="2000" dirty="0"/>
-              <a:t> modeled nodes can be validated with YANG Library </a:t>
+              <a:t>with YANG Library </a:t>
             </a:r>
             <a:r>
               <a:rPr lang="en-US" sz="2000" dirty="0">
@@ -20397,15 +20434,23 @@
             </a:r>
             <a:r>
               <a:rPr lang="en-US" dirty="0"/>
-              <a:t> as data type which contents does not have a schema defined. How a YANG-Push receiver validates the content of </a:t>
-            </a:r>
-            <a:r>
-              <a:rPr lang="en-US" dirty="0" err="1"/>
+              <a:t> as data type which contents does not have a schema defined. How a YANG-Push receiver </a:t>
+            </a:r>
+            <a:r>
+              <a:rPr lang="en-US" b="1" dirty="0"/>
+              <a:t>validates the content of </a:t>
+            </a:r>
+            <a:r>
+              <a:rPr lang="en-US" b="1" dirty="0" err="1"/>
               <a:t>anydata</a:t>
             </a:r>
             <a:r>
+              <a:rPr lang="en-US" b="1" dirty="0"/>
+              <a:t> nodes </a:t>
+            </a:r>
+            <a:r>
               <a:rPr lang="en-US" dirty="0"/>
-              <a:t> nodes needs to be addressed.</a:t>
+              <a:t>needs to be addressed.</a:t>
             </a:r>
             <a:endParaRPr lang="en-US" b="1" dirty="0">
               <a:solidFill>
@@ -20434,7 +20479,7 @@
             </a:r>
             <a:r>
               <a:rPr lang="en-US" dirty="0"/>
-              <a:t>.  However, specifications for encoding in JSON are missing </a:t>
+              <a:t>.  However, specifications for encoding in JSON and CBOR are missing </a:t>
             </a:r>
             <a:r>
               <a:rPr lang="en-US" dirty="0">

--- a/119/NMOP/draft-netana-nmop-yang-kafka-integration.pptx
+++ b/119/NMOP/draft-netana-nmop-yang-kafka-integration.pptx
@@ -134,18 +134,48 @@
   <pc:docChgLst>
     <pc:chgData name="Graf Thomas, INI-NET-VNC-HCS" userId="487bc3e3-9ce7-4cdd-b7b4-8899ea88d289" providerId="ADAL" clId="{278F4D00-A84F-403D-B695-8FF15EEE87AE}"/>
     <pc:docChg chg="modSld">
-      <pc:chgData name="Graf Thomas, INI-NET-VNC-HCS" userId="487bc3e3-9ce7-4cdd-b7b4-8899ea88d289" providerId="ADAL" clId="{278F4D00-A84F-403D-B695-8FF15EEE87AE}" dt="2024-03-15T04:02:16.618" v="12" actId="113"/>
+      <pc:chgData name="Graf Thomas, INI-NET-VNC-HCS" userId="487bc3e3-9ce7-4cdd-b7b4-8899ea88d289" providerId="ADAL" clId="{278F4D00-A84F-403D-B695-8FF15EEE87AE}" dt="2024-03-15T22:52:30.548" v="19" actId="113"/>
       <pc:docMkLst>
         <pc:docMk/>
       </pc:docMkLst>
       <pc:sldChg chg="modSp mod">
-        <pc:chgData name="Graf Thomas, INI-NET-VNC-HCS" userId="487bc3e3-9ce7-4cdd-b7b4-8899ea88d289" providerId="ADAL" clId="{278F4D00-A84F-403D-B695-8FF15EEE87AE}" dt="2024-03-15T04:02:16.618" v="12" actId="113"/>
+        <pc:chgData name="Graf Thomas, INI-NET-VNC-HCS" userId="487bc3e3-9ce7-4cdd-b7b4-8899ea88d289" providerId="ADAL" clId="{278F4D00-A84F-403D-B695-8FF15EEE87AE}" dt="2024-03-15T22:51:49.859" v="13" actId="20577"/>
+        <pc:sldMkLst>
+          <pc:docMk/>
+          <pc:sldMk cId="3578665336" sldId="1041"/>
+        </pc:sldMkLst>
+        <pc:spChg chg="mod">
+          <ac:chgData name="Graf Thomas, INI-NET-VNC-HCS" userId="487bc3e3-9ce7-4cdd-b7b4-8899ea88d289" providerId="ADAL" clId="{278F4D00-A84F-403D-B695-8FF15EEE87AE}" dt="2024-03-15T22:51:49.859" v="13" actId="20577"/>
+          <ac:spMkLst>
+            <pc:docMk/>
+            <pc:sldMk cId="3578665336" sldId="1041"/>
+            <ac:spMk id="6" creationId="{6CAA0765-1318-4A03-8F91-D3ECC43D8FA7}"/>
+          </ac:spMkLst>
+        </pc:spChg>
+      </pc:sldChg>
+      <pc:sldChg chg="modSp mod">
+        <pc:chgData name="Graf Thomas, INI-NET-VNC-HCS" userId="487bc3e3-9ce7-4cdd-b7b4-8899ea88d289" providerId="ADAL" clId="{278F4D00-A84F-403D-B695-8FF15EEE87AE}" dt="2024-03-15T22:51:54.685" v="14" actId="20577"/>
+        <pc:sldMkLst>
+          <pc:docMk/>
+          <pc:sldMk cId="2617504443" sldId="2145706242"/>
+        </pc:sldMkLst>
+        <pc:spChg chg="mod">
+          <ac:chgData name="Graf Thomas, INI-NET-VNC-HCS" userId="487bc3e3-9ce7-4cdd-b7b4-8899ea88d289" providerId="ADAL" clId="{278F4D00-A84F-403D-B695-8FF15EEE87AE}" dt="2024-03-15T22:51:54.685" v="14" actId="20577"/>
+          <ac:spMkLst>
+            <pc:docMk/>
+            <pc:sldMk cId="2617504443" sldId="2145706242"/>
+            <ac:spMk id="4" creationId="{6E210162-8BA9-2D0F-F527-CE596B88B5FF}"/>
+          </ac:spMkLst>
+        </pc:spChg>
+      </pc:sldChg>
+      <pc:sldChg chg="modSp mod">
+        <pc:chgData name="Graf Thomas, INI-NET-VNC-HCS" userId="487bc3e3-9ce7-4cdd-b7b4-8899ea88d289" providerId="ADAL" clId="{278F4D00-A84F-403D-B695-8FF15EEE87AE}" dt="2024-03-15T22:52:30.548" v="19" actId="113"/>
         <pc:sldMkLst>
           <pc:docMk/>
           <pc:sldMk cId="3471801430" sldId="2145706249"/>
         </pc:sldMkLst>
         <pc:spChg chg="mod">
-          <ac:chgData name="Graf Thomas, INI-NET-VNC-HCS" userId="487bc3e3-9ce7-4cdd-b7b4-8899ea88d289" providerId="ADAL" clId="{278F4D00-A84F-403D-B695-8FF15EEE87AE}" dt="2024-03-15T04:02:16.618" v="12" actId="113"/>
+          <ac:chgData name="Graf Thomas, INI-NET-VNC-HCS" userId="487bc3e3-9ce7-4cdd-b7b4-8899ea88d289" providerId="ADAL" clId="{278F4D00-A84F-403D-B695-8FF15EEE87AE}" dt="2024-03-15T22:52:30.548" v="19" actId="113"/>
           <ac:spMkLst>
             <pc:docMk/>
             <pc:sldMk cId="3471801430" sldId="2145706249"/>
@@ -5454,7 +5484,7 @@
               <a:rPr lang="de-CH" sz="1400" dirty="0">
                 <a:latin typeface="+mj-lt"/>
               </a:rPr>
-              <a:t>15. </a:t>
+              <a:t>16. </a:t>
             </a:r>
             <a:r>
               <a:rPr lang="de-CH" sz="1400" dirty="0">
@@ -20386,23 +20416,15 @@
             </a:r>
             <a:r>
               <a:rPr lang="en-US" sz="2000" dirty="0"/>
-              <a:t> addresses </a:t>
-            </a:r>
-            <a:r>
-              <a:rPr lang="en-US" sz="2000" b="1" dirty="0"/>
-              <a:t>that </a:t>
-            </a:r>
-            <a:r>
-              <a:rPr lang="en-US" sz="2000" b="1" dirty="0" err="1"/>
+              <a:t> addresses that </a:t>
+            </a:r>
+            <a:r>
+              <a:rPr lang="en-US" sz="2000" dirty="0" err="1"/>
               <a:t>anydata</a:t>
             </a:r>
             <a:r>
-              <a:rPr lang="en-US" sz="2000" b="1" dirty="0"/>
-              <a:t> modeled nodes can be validated </a:t>
-            </a:r>
-            <a:r>
               <a:rPr lang="en-US" sz="2000" dirty="0"/>
-              <a:t>with YANG Library </a:t>
+              <a:t> modeled nodes can be validated with YANG Library </a:t>
             </a:r>
             <a:r>
               <a:rPr lang="en-US" sz="2000" dirty="0">
@@ -20426,37 +20448,28 @@
             </a:r>
             <a:r>
               <a:rPr lang="en-US" dirty="0"/>
-              <a:t>datastore-contents in push-update or the value in push-change-update uses </a:t>
-            </a:r>
-            <a:r>
-              <a:rPr lang="en-US" dirty="0" err="1"/>
-              <a:t>anydata</a:t>
+              <a:t>Definitions how NOTIFICATIONS are encoded in NETCONF are defined in Section 4.2.10 of </a:t>
+            </a:r>
+            <a:r>
+              <a:rPr lang="en-US" dirty="0">
+                <a:hlinkClick r:id="rId4"/>
+              </a:rPr>
+              <a:t>RFC 7950</a:t>
             </a:r>
             <a:r>
               <a:rPr lang="en-US" dirty="0"/>
-              <a:t> as data type which contents does not have a schema defined. How a YANG-Push receiver </a:t>
-            </a:r>
-            <a:r>
-              <a:rPr lang="en-US" b="1" dirty="0"/>
-              <a:t>validates the content of </a:t>
-            </a:r>
-            <a:r>
-              <a:rPr lang="en-US" b="1" dirty="0" err="1"/>
-              <a:t>anydata</a:t>
-            </a:r>
-            <a:r>
-              <a:rPr lang="en-US" b="1" dirty="0"/>
-              <a:t> nodes </a:t>
+              <a:t>.  However, specifications for encoding in JSON and CBOR are missing </a:t>
+            </a:r>
+            <a:r>
+              <a:rPr lang="en-US" dirty="0">
+                <a:hlinkClick r:id="rId5"/>
+              </a:rPr>
+              <a:t>RFC 7951 </a:t>
             </a:r>
             <a:r>
               <a:rPr lang="en-US" dirty="0"/>
-              <a:t>needs to be addressed.</a:t>
-            </a:r>
-            <a:endParaRPr lang="en-US" b="1" dirty="0">
-              <a:solidFill>
-                <a:srgbClr val="FF0000"/>
-              </a:solidFill>
-            </a:endParaRPr>
+              <a:t>Confirm finding and propose how this needs to be addressed.</a:t>
+            </a:r>
           </a:p>
           <a:p>
             <a:r>
@@ -20466,40 +20479,6 @@
                 </a:solidFill>
               </a:rPr>
               <a:t>Open Point 3: </a:t>
-            </a:r>
-            <a:r>
-              <a:rPr lang="en-US" dirty="0"/>
-              <a:t>Definitions how NOTIFICATIONS are encoded in NETCONF are defined in Section 4.2.10 of </a:t>
-            </a:r>
-            <a:r>
-              <a:rPr lang="en-US" dirty="0">
-                <a:hlinkClick r:id="rId4"/>
-              </a:rPr>
-              <a:t>RFC 7950</a:t>
-            </a:r>
-            <a:r>
-              <a:rPr lang="en-US" dirty="0"/>
-              <a:t>.  However, specifications for encoding in JSON and CBOR are missing </a:t>
-            </a:r>
-            <a:r>
-              <a:rPr lang="en-US" dirty="0">
-                <a:hlinkClick r:id="rId5"/>
-              </a:rPr>
-              <a:t>RFC 7951 </a:t>
-            </a:r>
-            <a:r>
-              <a:rPr lang="en-US" dirty="0"/>
-              <a:t>Confirm finding and propose how this needs to be addressed.</a:t>
-            </a:r>
-          </a:p>
-          <a:p>
-            <a:r>
-              <a:rPr lang="en-US" b="1" dirty="0">
-                <a:solidFill>
-                  <a:srgbClr val="FF0000"/>
-                </a:solidFill>
-              </a:rPr>
-              <a:t>Open Point 4: </a:t>
             </a:r>
             <a:r>
               <a:rPr lang="en-US" dirty="0"/>
@@ -21140,7 +21119,7 @@
               <a:rPr lang="de-CH" sz="1400" dirty="0">
                 <a:latin typeface="+mj-lt"/>
               </a:rPr>
-              <a:t>15. </a:t>
+              <a:t>16. </a:t>
             </a:r>
             <a:r>
               <a:rPr lang="de-CH" sz="1400" dirty="0">
